--- a/MODL3_GoudKoorts_Raymond_Dion.pptx
+++ b/MODL3_GoudKoorts_Raymond_Dion.pptx
@@ -9,11 +9,12 @@
     <p:sldId id="257" r:id="rId3"/>
     <p:sldId id="258" r:id="rId4"/>
     <p:sldId id="259" r:id="rId5"/>
-    <p:sldId id="260" r:id="rId6"/>
-    <p:sldId id="261" r:id="rId7"/>
-    <p:sldId id="262" r:id="rId8"/>
-    <p:sldId id="263" r:id="rId9"/>
-    <p:sldId id="264" r:id="rId10"/>
+    <p:sldId id="265" r:id="rId6"/>
+    <p:sldId id="260" r:id="rId7"/>
+    <p:sldId id="261" r:id="rId8"/>
+    <p:sldId id="262" r:id="rId9"/>
+    <p:sldId id="263" r:id="rId10"/>
+    <p:sldId id="264" r:id="rId11"/>
   </p:sldIdLst>
   <p:sldSz cx="12192000" cy="6858000"/>
   <p:notesSz cx="6858000" cy="9144000"/>
@@ -112,6 +113,11 @@
       </a:defRPr>
     </a:lvl9pPr>
   </p:defaultTextStyle>
+  <p:extLst>
+    <p:ext uri="{EFAFB233-063F-42B5-8137-9DF3F51BA10A}">
+      <p15:sldGuideLst xmlns:p15="http://schemas.microsoft.com/office/powerpoint/2012/main"/>
+    </p:ext>
+  </p:extLst>
 </p:presentation>
 </file>
 
@@ -7835,6 +7841,161 @@
 </p:sld>
 </file>
 
+<file path=ppt/slides/slide10.xml><?xml version="1.0" encoding="utf-8"?>
+<p:sld xmlns:a="http://schemas.openxmlformats.org/drawingml/2006/main" xmlns:r="http://schemas.openxmlformats.org/officeDocument/2006/relationships" xmlns:p="http://schemas.openxmlformats.org/presentationml/2006/main">
+  <p:cSld>
+    <p:spTree>
+      <p:nvGrpSpPr>
+        <p:cNvPr id="1" name=""/>
+        <p:cNvGrpSpPr/>
+        <p:nvPr/>
+      </p:nvGrpSpPr>
+      <p:grpSpPr>
+        <a:xfrm>
+          <a:off x="0" y="0"/>
+          <a:ext cx="0" cy="0"/>
+          <a:chOff x="0" y="0"/>
+          <a:chExt cx="0" cy="0"/>
+        </a:xfrm>
+      </p:grpSpPr>
+      <p:pic>
+        <p:nvPicPr>
+          <p:cNvPr id="6" name="Picture 5"/>
+          <p:cNvPicPr>
+            <a:picLocks noChangeAspect="1"/>
+          </p:cNvPicPr>
+          <p:nvPr/>
+        </p:nvPicPr>
+        <p:blipFill>
+          <a:blip r:embed="rId2">
+            <a:extLst>
+              <a:ext uri="{28A0092B-C50C-407E-A947-70E740481C1C}">
+                <a14:useLocalDpi xmlns:a14="http://schemas.microsoft.com/office/drawing/2010/main" val="0"/>
+              </a:ext>
+            </a:extLst>
+          </a:blip>
+          <a:stretch>
+            <a:fillRect/>
+          </a:stretch>
+        </p:blipFill>
+        <p:spPr>
+          <a:xfrm>
+            <a:off x="179580" y="-59897"/>
+            <a:ext cx="8025306" cy="5538833"/>
+          </a:xfrm>
+          <a:prstGeom prst="rect">
+            <a:avLst/>
+          </a:prstGeom>
+        </p:spPr>
+      </p:pic>
+      <p:sp>
+        <p:nvSpPr>
+          <p:cNvPr id="7" name="Rectangle 6"/>
+          <p:cNvSpPr/>
+          <p:nvPr/>
+        </p:nvSpPr>
+        <p:spPr>
+          <a:xfrm>
+            <a:off x="8559113" y="453081"/>
+            <a:ext cx="2924432" cy="1894702"/>
+          </a:xfrm>
+          <a:prstGeom prst="rect">
+            <a:avLst/>
+          </a:prstGeom>
+        </p:spPr>
+        <p:style>
+          <a:lnRef idx="2">
+            <a:schemeClr val="accent1">
+              <a:shade val="50000"/>
+            </a:schemeClr>
+          </a:lnRef>
+          <a:fillRef idx="1">
+            <a:schemeClr val="accent1"/>
+          </a:fillRef>
+          <a:effectRef idx="0">
+            <a:schemeClr val="accent1"/>
+          </a:effectRef>
+          <a:fontRef idx="minor">
+            <a:schemeClr val="lt1"/>
+          </a:fontRef>
+        </p:style>
+        <p:txBody>
+          <a:bodyPr rtlCol="0" anchor="ctr"/>
+          <a:lstStyle/>
+          <a:p>
+            <a:pPr algn="ctr"/>
+            <a:r>
+              <a:rPr lang="nl-NL" dirty="0" smtClean="0"/>
+              <a:t>Verder heeft elke track dus een Next en Previous</a:t>
+            </a:r>
+            <a:endParaRPr lang="nl-NL" dirty="0"/>
+          </a:p>
+        </p:txBody>
+      </p:sp>
+      <p:sp>
+        <p:nvSpPr>
+          <p:cNvPr id="8" name="Rectangle 7"/>
+          <p:cNvSpPr/>
+          <p:nvPr/>
+        </p:nvSpPr>
+        <p:spPr>
+          <a:xfrm>
+            <a:off x="8678561" y="3060357"/>
+            <a:ext cx="2924432" cy="1894702"/>
+          </a:xfrm>
+          <a:prstGeom prst="rect">
+            <a:avLst/>
+          </a:prstGeom>
+        </p:spPr>
+        <p:style>
+          <a:lnRef idx="2">
+            <a:schemeClr val="accent1">
+              <a:shade val="50000"/>
+            </a:schemeClr>
+          </a:lnRef>
+          <a:fillRef idx="1">
+            <a:schemeClr val="accent1"/>
+          </a:fillRef>
+          <a:effectRef idx="0">
+            <a:schemeClr val="accent1"/>
+          </a:effectRef>
+          <a:fontRef idx="minor">
+            <a:schemeClr val="lt1"/>
+          </a:fontRef>
+        </p:style>
+        <p:txBody>
+          <a:bodyPr rtlCol="0" anchor="ctr"/>
+          <a:lstStyle/>
+          <a:p>
+            <a:pPr algn="ctr"/>
+            <a:r>
+              <a:rPr lang="nl-NL" dirty="0" smtClean="0"/>
+              <a:t>En een switchtrack dus een previous/next top</a:t>
+            </a:r>
+          </a:p>
+          <a:p>
+            <a:pPr algn="ctr"/>
+            <a:r>
+              <a:rPr lang="nl-NL" dirty="0" smtClean="0"/>
+              <a:t>En previous/next bottom</a:t>
+            </a:r>
+            <a:endParaRPr lang="nl-NL" dirty="0"/>
+          </a:p>
+        </p:txBody>
+      </p:sp>
+    </p:spTree>
+    <p:extLst>
+      <p:ext uri="{BB962C8B-B14F-4D97-AF65-F5344CB8AC3E}">
+        <p14:creationId xmlns:p14="http://schemas.microsoft.com/office/powerpoint/2010/main" val="4095497277"/>
+      </p:ext>
+    </p:extLst>
+  </p:cSld>
+  <p:clrMapOvr>
+    <a:masterClrMapping/>
+  </p:clrMapOvr>
+</p:sld>
+</file>
+
 <file path=ppt/slides/slide2.xml><?xml version="1.0" encoding="utf-8"?>
 <p:sld xmlns:a="http://schemas.openxmlformats.org/drawingml/2006/main" xmlns:r="http://schemas.openxmlformats.org/officeDocument/2006/relationships" xmlns:p="http://schemas.openxmlformats.org/presentationml/2006/main">
   <p:cSld>
@@ -8032,6 +8193,66 @@
           <a:chExt cx="0" cy="0"/>
         </a:xfrm>
       </p:grpSpPr>
+      <p:pic>
+        <p:nvPicPr>
+          <p:cNvPr id="2" name="Picture 1"/>
+          <p:cNvPicPr>
+            <a:picLocks noChangeAspect="1"/>
+          </p:cNvPicPr>
+          <p:nvPr/>
+        </p:nvPicPr>
+        <p:blipFill>
+          <a:blip r:embed="rId2">
+            <a:extLst>
+              <a:ext uri="{28A0092B-C50C-407E-A947-70E740481C1C}">
+                <a14:useLocalDpi xmlns:a14="http://schemas.microsoft.com/office/drawing/2010/main" val="0"/>
+              </a:ext>
+            </a:extLst>
+          </a:blip>
+          <a:stretch>
+            <a:fillRect/>
+          </a:stretch>
+        </p:blipFill>
+        <p:spPr>
+          <a:xfrm>
+            <a:off x="195063" y="2565114"/>
+            <a:ext cx="11996937" cy="2534108"/>
+          </a:xfrm>
+          <a:prstGeom prst="rect">
+            <a:avLst/>
+          </a:prstGeom>
+        </p:spPr>
+      </p:pic>
+    </p:spTree>
+    <p:extLst>
+      <p:ext uri="{BB962C8B-B14F-4D97-AF65-F5344CB8AC3E}">
+        <p14:creationId xmlns:p14="http://schemas.microsoft.com/office/powerpoint/2010/main" val="1546572671"/>
+      </p:ext>
+    </p:extLst>
+  </p:cSld>
+  <p:clrMapOvr>
+    <a:masterClrMapping/>
+  </p:clrMapOvr>
+</p:sld>
+</file>
+
+<file path=ppt/slides/slide6.xml><?xml version="1.0" encoding="utf-8"?>
+<p:sld xmlns:a="http://schemas.openxmlformats.org/drawingml/2006/main" xmlns:r="http://schemas.openxmlformats.org/officeDocument/2006/relationships" xmlns:p="http://schemas.openxmlformats.org/presentationml/2006/main">
+  <p:cSld>
+    <p:spTree>
+      <p:nvGrpSpPr>
+        <p:cNvPr id="1" name=""/>
+        <p:cNvGrpSpPr/>
+        <p:nvPr/>
+      </p:nvGrpSpPr>
+      <p:grpSpPr>
+        <a:xfrm>
+          <a:off x="0" y="0"/>
+          <a:ext cx="0" cy="0"/>
+          <a:chOff x="0" y="0"/>
+          <a:chExt cx="0" cy="0"/>
+        </a:xfrm>
+      </p:grpSpPr>
       <p:sp>
         <p:nvSpPr>
           <p:cNvPr id="3" name="Rectangle 2"/>
@@ -8170,7 +8391,7 @@
 </p:sld>
 </file>
 
-<file path=ppt/slides/slide6.xml><?xml version="1.0" encoding="utf-8"?>
+<file path=ppt/slides/slide7.xml><?xml version="1.0" encoding="utf-8"?>
 <p:sld xmlns:a="http://schemas.openxmlformats.org/drawingml/2006/main" xmlns:r="http://schemas.openxmlformats.org/officeDocument/2006/relationships" xmlns:p="http://schemas.openxmlformats.org/presentationml/2006/main">
   <p:cSld>
     <p:spTree>
@@ -8265,110 +8486,6 @@
     <p:extLst>
       <p:ext uri="{BB962C8B-B14F-4D97-AF65-F5344CB8AC3E}">
         <p14:creationId xmlns:p14="http://schemas.microsoft.com/office/powerpoint/2010/main" val="3064918391"/>
-      </p:ext>
-    </p:extLst>
-  </p:cSld>
-  <p:clrMapOvr>
-    <a:masterClrMapping/>
-  </p:clrMapOvr>
-</p:sld>
-</file>
-
-<file path=ppt/slides/slide7.xml><?xml version="1.0" encoding="utf-8"?>
-<p:sld xmlns:a="http://schemas.openxmlformats.org/drawingml/2006/main" xmlns:r="http://schemas.openxmlformats.org/officeDocument/2006/relationships" xmlns:p="http://schemas.openxmlformats.org/presentationml/2006/main">
-  <p:cSld>
-    <p:spTree>
-      <p:nvGrpSpPr>
-        <p:cNvPr id="1" name=""/>
-        <p:cNvGrpSpPr/>
-        <p:nvPr/>
-      </p:nvGrpSpPr>
-      <p:grpSpPr>
-        <a:xfrm>
-          <a:off x="0" y="0"/>
-          <a:ext cx="0" cy="0"/>
-          <a:chOff x="0" y="0"/>
-          <a:chExt cx="0" cy="0"/>
-        </a:xfrm>
-      </p:grpSpPr>
-      <p:pic>
-        <p:nvPicPr>
-          <p:cNvPr id="2" name="Picture 1"/>
-          <p:cNvPicPr>
-            <a:picLocks noChangeAspect="1"/>
-          </p:cNvPicPr>
-          <p:nvPr/>
-        </p:nvPicPr>
-        <p:blipFill>
-          <a:blip r:embed="rId2">
-            <a:extLst>
-              <a:ext uri="{28A0092B-C50C-407E-A947-70E740481C1C}">
-                <a14:useLocalDpi xmlns:a14="http://schemas.microsoft.com/office/drawing/2010/main" val="0"/>
-              </a:ext>
-            </a:extLst>
-          </a:blip>
-          <a:stretch>
-            <a:fillRect/>
-          </a:stretch>
-        </p:blipFill>
-        <p:spPr>
-          <a:xfrm>
-            <a:off x="189656" y="0"/>
-            <a:ext cx="8402223" cy="5527589"/>
-          </a:xfrm>
-          <a:prstGeom prst="rect">
-            <a:avLst/>
-          </a:prstGeom>
-        </p:spPr>
-      </p:pic>
-      <p:sp>
-        <p:nvSpPr>
-          <p:cNvPr id="3" name="Rectangle 2"/>
-          <p:cNvSpPr/>
-          <p:nvPr/>
-        </p:nvSpPr>
-        <p:spPr>
-          <a:xfrm>
-            <a:off x="8913341" y="1762897"/>
-            <a:ext cx="2619632" cy="1894703"/>
-          </a:xfrm>
-          <a:prstGeom prst="rect">
-            <a:avLst/>
-          </a:prstGeom>
-        </p:spPr>
-        <p:style>
-          <a:lnRef idx="2">
-            <a:schemeClr val="accent1">
-              <a:shade val="50000"/>
-            </a:schemeClr>
-          </a:lnRef>
-          <a:fillRef idx="1">
-            <a:schemeClr val="accent1"/>
-          </a:fillRef>
-          <a:effectRef idx="0">
-            <a:schemeClr val="accent1"/>
-          </a:effectRef>
-          <a:fontRef idx="minor">
-            <a:schemeClr val="lt1"/>
-          </a:fontRef>
-        </p:style>
-        <p:txBody>
-          <a:bodyPr rtlCol="0" anchor="ctr"/>
-          <a:lstStyle/>
-          <a:p>
-            <a:pPr algn="ctr"/>
-            <a:r>
-              <a:rPr lang="nl-NL" dirty="0" smtClean="0"/>
-              <a:t>Polymorphisme?</a:t>
-            </a:r>
-            <a:endParaRPr lang="nl-NL" dirty="0"/>
-          </a:p>
-        </p:txBody>
-      </p:sp>
-    </p:spTree>
-    <p:extLst>
-      <p:ext uri="{BB962C8B-B14F-4D97-AF65-F5344CB8AC3E}">
-        <p14:creationId xmlns:p14="http://schemas.microsoft.com/office/powerpoint/2010/main" val="3421906897"/>
       </p:ext>
     </p:extLst>
   </p:cSld>
@@ -8417,7 +8534,7 @@
         </p:blipFill>
         <p:spPr>
           <a:xfrm>
-            <a:off x="173180" y="0"/>
+            <a:off x="189656" y="0"/>
             <a:ext cx="8402223" cy="5527589"/>
           </a:xfrm>
           <a:prstGeom prst="rect">
@@ -8433,7 +8550,7 @@
         </p:nvSpPr>
         <p:spPr>
           <a:xfrm>
-            <a:off x="9069860" y="807308"/>
+            <a:off x="8913341" y="1762897"/>
             <a:ext cx="2619632" cy="1894703"/>
           </a:xfrm>
           <a:prstGeom prst="rect">
@@ -8469,653 +8586,10 @@
           </a:p>
         </p:txBody>
       </p:sp>
-      <p:sp>
-        <p:nvSpPr>
-          <p:cNvPr id="4" name="Rectangle 3"/>
-          <p:cNvSpPr/>
-          <p:nvPr/>
-        </p:nvSpPr>
-        <p:spPr>
-          <a:xfrm>
-            <a:off x="296562" y="5066270"/>
-            <a:ext cx="1589903" cy="428368"/>
-          </a:xfrm>
-          <a:prstGeom prst="rect">
-            <a:avLst/>
-          </a:prstGeom>
-        </p:spPr>
-        <p:style>
-          <a:lnRef idx="2">
-            <a:schemeClr val="accent1">
-              <a:shade val="50000"/>
-            </a:schemeClr>
-          </a:lnRef>
-          <a:fillRef idx="1">
-            <a:schemeClr val="accent1"/>
-          </a:fillRef>
-          <a:effectRef idx="0">
-            <a:schemeClr val="accent1"/>
-          </a:effectRef>
-          <a:fontRef idx="minor">
-            <a:schemeClr val="lt1"/>
-          </a:fontRef>
-        </p:style>
-        <p:txBody>
-          <a:bodyPr rtlCol="0" anchor="ctr"/>
-          <a:lstStyle/>
-          <a:p>
-            <a:pPr algn="ctr"/>
-            <a:r>
-              <a:rPr lang="nl-NL" sz="1100" dirty="0" smtClean="0"/>
-              <a:t>SetCartOnThisTrack()</a:t>
-            </a:r>
-            <a:endParaRPr lang="nl-NL" sz="1100" dirty="0"/>
-          </a:p>
-        </p:txBody>
-      </p:sp>
-      <p:sp>
-        <p:nvSpPr>
-          <p:cNvPr id="5" name="Rectangle 4"/>
-          <p:cNvSpPr/>
-          <p:nvPr/>
-        </p:nvSpPr>
-        <p:spPr>
-          <a:xfrm>
-            <a:off x="2009847" y="5066270"/>
-            <a:ext cx="1589903" cy="428368"/>
-          </a:xfrm>
-          <a:prstGeom prst="rect">
-            <a:avLst/>
-          </a:prstGeom>
-        </p:spPr>
-        <p:style>
-          <a:lnRef idx="2">
-            <a:schemeClr val="accent1">
-              <a:shade val="50000"/>
-            </a:schemeClr>
-          </a:lnRef>
-          <a:fillRef idx="1">
-            <a:schemeClr val="accent1"/>
-          </a:fillRef>
-          <a:effectRef idx="0">
-            <a:schemeClr val="accent1"/>
-          </a:effectRef>
-          <a:fontRef idx="minor">
-            <a:schemeClr val="lt1"/>
-          </a:fontRef>
-        </p:style>
-        <p:txBody>
-          <a:bodyPr rtlCol="0" anchor="ctr"/>
-          <a:lstStyle/>
-          <a:p>
-            <a:pPr algn="ctr"/>
-            <a:r>
-              <a:rPr lang="nl-NL" sz="1100" dirty="0" smtClean="0"/>
-              <a:t>SetCartOnThisTrack()</a:t>
-            </a:r>
-            <a:endParaRPr lang="nl-NL" sz="1100" dirty="0"/>
-          </a:p>
-        </p:txBody>
-      </p:sp>
-      <p:sp>
-        <p:nvSpPr>
-          <p:cNvPr id="6" name="Rectangle 5"/>
-          <p:cNvSpPr/>
-          <p:nvPr/>
-        </p:nvSpPr>
-        <p:spPr>
-          <a:xfrm>
-            <a:off x="3678102" y="5066270"/>
-            <a:ext cx="1594114" cy="428368"/>
-          </a:xfrm>
-          <a:prstGeom prst="rect">
-            <a:avLst/>
-          </a:prstGeom>
-        </p:spPr>
-        <p:style>
-          <a:lnRef idx="2">
-            <a:schemeClr val="accent1">
-              <a:shade val="50000"/>
-            </a:schemeClr>
-          </a:lnRef>
-          <a:fillRef idx="1">
-            <a:schemeClr val="accent1"/>
-          </a:fillRef>
-          <a:effectRef idx="0">
-            <a:schemeClr val="accent1"/>
-          </a:effectRef>
-          <a:fontRef idx="minor">
-            <a:schemeClr val="lt1"/>
-          </a:fontRef>
-        </p:style>
-        <p:txBody>
-          <a:bodyPr rtlCol="0" anchor="ctr"/>
-          <a:lstStyle/>
-          <a:p>
-            <a:pPr algn="ctr"/>
-            <a:r>
-              <a:rPr lang="nl-NL" sz="1100" dirty="0" smtClean="0"/>
-              <a:t>SetCartOnThisTrack()</a:t>
-            </a:r>
-            <a:endParaRPr lang="nl-NL" sz="1100" dirty="0"/>
-          </a:p>
-        </p:txBody>
-      </p:sp>
-      <p:sp>
-        <p:nvSpPr>
-          <p:cNvPr id="7" name="Rectangle 6"/>
-          <p:cNvSpPr/>
-          <p:nvPr/>
-        </p:nvSpPr>
-        <p:spPr>
-          <a:xfrm>
-            <a:off x="5320541" y="4852086"/>
-            <a:ext cx="1589903" cy="428368"/>
-          </a:xfrm>
-          <a:prstGeom prst="rect">
-            <a:avLst/>
-          </a:prstGeom>
-        </p:spPr>
-        <p:style>
-          <a:lnRef idx="2">
-            <a:schemeClr val="accent1">
-              <a:shade val="50000"/>
-            </a:schemeClr>
-          </a:lnRef>
-          <a:fillRef idx="1">
-            <a:schemeClr val="accent1"/>
-          </a:fillRef>
-          <a:effectRef idx="0">
-            <a:schemeClr val="accent1"/>
-          </a:effectRef>
-          <a:fontRef idx="minor">
-            <a:schemeClr val="lt1"/>
-          </a:fontRef>
-        </p:style>
-        <p:txBody>
-          <a:bodyPr rtlCol="0" anchor="ctr"/>
-          <a:lstStyle/>
-          <a:p>
-            <a:pPr algn="ctr"/>
-            <a:r>
-              <a:rPr lang="nl-NL" sz="1100" dirty="0" smtClean="0"/>
-              <a:t>SetCartOnThisTrack()</a:t>
-            </a:r>
-            <a:endParaRPr lang="nl-NL" sz="1100" dirty="0"/>
-          </a:p>
-        </p:txBody>
-      </p:sp>
-      <p:sp>
-        <p:nvSpPr>
-          <p:cNvPr id="8" name="Rectangle 7"/>
-          <p:cNvSpPr/>
-          <p:nvPr/>
-        </p:nvSpPr>
-        <p:spPr>
-          <a:xfrm>
-            <a:off x="6999959" y="4852086"/>
-            <a:ext cx="1589903" cy="428368"/>
-          </a:xfrm>
-          <a:prstGeom prst="rect">
-            <a:avLst/>
-          </a:prstGeom>
-        </p:spPr>
-        <p:style>
-          <a:lnRef idx="2">
-            <a:schemeClr val="accent1">
-              <a:shade val="50000"/>
-            </a:schemeClr>
-          </a:lnRef>
-          <a:fillRef idx="1">
-            <a:schemeClr val="accent1"/>
-          </a:fillRef>
-          <a:effectRef idx="0">
-            <a:schemeClr val="accent1"/>
-          </a:effectRef>
-          <a:fontRef idx="minor">
-            <a:schemeClr val="lt1"/>
-          </a:fontRef>
-        </p:style>
-        <p:txBody>
-          <a:bodyPr rtlCol="0" anchor="ctr"/>
-          <a:lstStyle/>
-          <a:p>
-            <a:pPr algn="ctr"/>
-            <a:r>
-              <a:rPr lang="nl-NL" sz="1100" dirty="0" smtClean="0"/>
-              <a:t>SetCartOnThisTrack()</a:t>
-            </a:r>
-            <a:endParaRPr lang="nl-NL" sz="1100" dirty="0"/>
-          </a:p>
-        </p:txBody>
-      </p:sp>
-      <p:sp>
-        <p:nvSpPr>
-          <p:cNvPr id="9" name="Rectangle 8"/>
-          <p:cNvSpPr/>
-          <p:nvPr/>
-        </p:nvSpPr>
-        <p:spPr>
-          <a:xfrm>
-            <a:off x="5327770" y="5189838"/>
-            <a:ext cx="1589903" cy="428368"/>
-          </a:xfrm>
-          <a:prstGeom prst="rect">
-            <a:avLst/>
-          </a:prstGeom>
-        </p:spPr>
-        <p:style>
-          <a:lnRef idx="2">
-            <a:schemeClr val="accent1">
-              <a:shade val="50000"/>
-            </a:schemeClr>
-          </a:lnRef>
-          <a:fillRef idx="1">
-            <a:schemeClr val="accent1"/>
-          </a:fillRef>
-          <a:effectRef idx="0">
-            <a:schemeClr val="accent1"/>
-          </a:effectRef>
-          <a:fontRef idx="minor">
-            <a:schemeClr val="lt1"/>
-          </a:fontRef>
-        </p:style>
-        <p:txBody>
-          <a:bodyPr rtlCol="0" anchor="ctr"/>
-          <a:lstStyle/>
-          <a:p>
-            <a:pPr algn="ctr"/>
-            <a:r>
-              <a:rPr lang="nl-NL" sz="1100" dirty="0" smtClean="0"/>
-              <a:t>SetTopAvailable()</a:t>
-            </a:r>
-            <a:endParaRPr lang="nl-NL" sz="1100" dirty="0"/>
-          </a:p>
-        </p:txBody>
-      </p:sp>
-      <p:sp>
-        <p:nvSpPr>
-          <p:cNvPr id="10" name="Rectangle 9"/>
-          <p:cNvSpPr/>
-          <p:nvPr/>
-        </p:nvSpPr>
-        <p:spPr>
-          <a:xfrm>
-            <a:off x="7003985" y="5189838"/>
-            <a:ext cx="1589903" cy="428368"/>
-          </a:xfrm>
-          <a:prstGeom prst="rect">
-            <a:avLst/>
-          </a:prstGeom>
-        </p:spPr>
-        <p:style>
-          <a:lnRef idx="2">
-            <a:schemeClr val="accent1">
-              <a:shade val="50000"/>
-            </a:schemeClr>
-          </a:lnRef>
-          <a:fillRef idx="1">
-            <a:schemeClr val="accent1"/>
-          </a:fillRef>
-          <a:effectRef idx="0">
-            <a:schemeClr val="accent1"/>
-          </a:effectRef>
-          <a:fontRef idx="minor">
-            <a:schemeClr val="lt1"/>
-          </a:fontRef>
-        </p:style>
-        <p:txBody>
-          <a:bodyPr rtlCol="0" anchor="ctr"/>
-          <a:lstStyle/>
-          <a:p>
-            <a:pPr algn="ctr"/>
-            <a:r>
-              <a:rPr lang="nl-NL" sz="1100" dirty="0" smtClean="0"/>
-              <a:t>SetTopAvailable()</a:t>
-            </a:r>
-            <a:endParaRPr lang="nl-NL" sz="1100" dirty="0"/>
-          </a:p>
-        </p:txBody>
-      </p:sp>
-      <p:sp>
-        <p:nvSpPr>
-          <p:cNvPr id="11" name="Rectangle 10"/>
-          <p:cNvSpPr/>
-          <p:nvPr/>
-        </p:nvSpPr>
-        <p:spPr>
-          <a:xfrm>
-            <a:off x="5334999" y="5527589"/>
-            <a:ext cx="1589903" cy="428368"/>
-          </a:xfrm>
-          <a:prstGeom prst="rect">
-            <a:avLst/>
-          </a:prstGeom>
-        </p:spPr>
-        <p:style>
-          <a:lnRef idx="2">
-            <a:schemeClr val="accent1">
-              <a:shade val="50000"/>
-            </a:schemeClr>
-          </a:lnRef>
-          <a:fillRef idx="1">
-            <a:schemeClr val="accent1"/>
-          </a:fillRef>
-          <a:effectRef idx="0">
-            <a:schemeClr val="accent1"/>
-          </a:effectRef>
-          <a:fontRef idx="minor">
-            <a:schemeClr val="lt1"/>
-          </a:fontRef>
-        </p:style>
-        <p:txBody>
-          <a:bodyPr rtlCol="0" anchor="ctr"/>
-          <a:lstStyle/>
-          <a:p>
-            <a:pPr algn="ctr"/>
-            <a:r>
-              <a:rPr lang="nl-NL" sz="1000" dirty="0" smtClean="0"/>
-              <a:t>SetBottomAvailable()</a:t>
-            </a:r>
-            <a:endParaRPr lang="nl-NL" sz="1000" dirty="0"/>
-          </a:p>
-        </p:txBody>
-      </p:sp>
-      <p:sp>
-        <p:nvSpPr>
-          <p:cNvPr id="12" name="Rectangle 11"/>
-          <p:cNvSpPr/>
-          <p:nvPr/>
-        </p:nvSpPr>
-        <p:spPr>
-          <a:xfrm>
-            <a:off x="7003985" y="5527589"/>
-            <a:ext cx="1589903" cy="428368"/>
-          </a:xfrm>
-          <a:prstGeom prst="rect">
-            <a:avLst/>
-          </a:prstGeom>
-        </p:spPr>
-        <p:style>
-          <a:lnRef idx="2">
-            <a:schemeClr val="accent1">
-              <a:shade val="50000"/>
-            </a:schemeClr>
-          </a:lnRef>
-          <a:fillRef idx="1">
-            <a:schemeClr val="accent1"/>
-          </a:fillRef>
-          <a:effectRef idx="0">
-            <a:schemeClr val="accent1"/>
-          </a:effectRef>
-          <a:fontRef idx="minor">
-            <a:schemeClr val="lt1"/>
-          </a:fontRef>
-        </p:style>
-        <p:txBody>
-          <a:bodyPr rtlCol="0" anchor="ctr"/>
-          <a:lstStyle/>
-          <a:p>
-            <a:pPr algn="ctr"/>
-            <a:r>
-              <a:rPr lang="nl-NL" sz="1000" dirty="0" smtClean="0"/>
-              <a:t>SetBottomAvailable()</a:t>
-            </a:r>
-            <a:endParaRPr lang="nl-NL" sz="1000" dirty="0"/>
-          </a:p>
-        </p:txBody>
-      </p:sp>
-      <p:sp>
-        <p:nvSpPr>
-          <p:cNvPr id="15" name="Rectangle 14"/>
-          <p:cNvSpPr/>
-          <p:nvPr/>
-        </p:nvSpPr>
-        <p:spPr>
-          <a:xfrm>
-            <a:off x="10243340" y="2636108"/>
-            <a:ext cx="45719" cy="3978876"/>
-          </a:xfrm>
-          <a:prstGeom prst="rect">
-            <a:avLst/>
-          </a:prstGeom>
-        </p:spPr>
-        <p:style>
-          <a:lnRef idx="2">
-            <a:schemeClr val="accent1">
-              <a:shade val="50000"/>
-            </a:schemeClr>
-          </a:lnRef>
-          <a:fillRef idx="1">
-            <a:schemeClr val="accent1"/>
-          </a:fillRef>
-          <a:effectRef idx="0">
-            <a:schemeClr val="accent1"/>
-          </a:effectRef>
-          <a:fontRef idx="minor">
-            <a:schemeClr val="lt1"/>
-          </a:fontRef>
-        </p:style>
-        <p:txBody>
-          <a:bodyPr rtlCol="0" anchor="ctr"/>
-          <a:lstStyle/>
-          <a:p>
-            <a:pPr algn="ctr"/>
-            <a:endParaRPr lang="nl-NL"/>
-          </a:p>
-        </p:txBody>
-      </p:sp>
-      <p:sp>
-        <p:nvSpPr>
-          <p:cNvPr id="16" name="Rectangle 15"/>
-          <p:cNvSpPr/>
-          <p:nvPr/>
-        </p:nvSpPr>
-        <p:spPr>
-          <a:xfrm>
-            <a:off x="410038" y="6571118"/>
-            <a:ext cx="9879021" cy="45719"/>
-          </a:xfrm>
-          <a:prstGeom prst="rect">
-            <a:avLst/>
-          </a:prstGeom>
-        </p:spPr>
-        <p:style>
-          <a:lnRef idx="2">
-            <a:schemeClr val="accent1">
-              <a:shade val="50000"/>
-            </a:schemeClr>
-          </a:lnRef>
-          <a:fillRef idx="1">
-            <a:schemeClr val="accent1"/>
-          </a:fillRef>
-          <a:effectRef idx="0">
-            <a:schemeClr val="accent1"/>
-          </a:effectRef>
-          <a:fontRef idx="minor">
-            <a:schemeClr val="lt1"/>
-          </a:fontRef>
-        </p:style>
-        <p:txBody>
-          <a:bodyPr rtlCol="0" anchor="ctr"/>
-          <a:lstStyle/>
-          <a:p>
-            <a:pPr algn="ctr"/>
-            <a:endParaRPr lang="nl-NL"/>
-          </a:p>
-        </p:txBody>
-      </p:sp>
-      <p:cxnSp>
-        <p:nvCxnSpPr>
-          <p:cNvPr id="18" name="Straight Arrow Connector 17"/>
-          <p:cNvCxnSpPr/>
-          <p:nvPr/>
-        </p:nvCxnSpPr>
-        <p:spPr>
-          <a:xfrm flipH="1" flipV="1">
-            <a:off x="1449859" y="5494638"/>
-            <a:ext cx="164757" cy="1031583"/>
-          </a:xfrm>
-          <a:prstGeom prst="straightConnector1">
-            <a:avLst/>
-          </a:prstGeom>
-          <a:ln>
-            <a:tailEnd type="triangle"/>
-          </a:ln>
-        </p:spPr>
-        <p:style>
-          <a:lnRef idx="1">
-            <a:schemeClr val="accent1"/>
-          </a:lnRef>
-          <a:fillRef idx="0">
-            <a:schemeClr val="accent1"/>
-          </a:fillRef>
-          <a:effectRef idx="0">
-            <a:schemeClr val="accent1"/>
-          </a:effectRef>
-          <a:fontRef idx="minor">
-            <a:schemeClr val="tx1"/>
-          </a:fontRef>
-        </p:style>
-      </p:cxnSp>
-      <p:cxnSp>
-        <p:nvCxnSpPr>
-          <p:cNvPr id="22" name="Straight Arrow Connector 21"/>
-          <p:cNvCxnSpPr/>
-          <p:nvPr/>
-        </p:nvCxnSpPr>
-        <p:spPr>
-          <a:xfrm flipV="1">
-            <a:off x="2454876" y="5488254"/>
-            <a:ext cx="148281" cy="1037967"/>
-          </a:xfrm>
-          <a:prstGeom prst="straightConnector1">
-            <a:avLst/>
-          </a:prstGeom>
-          <a:ln>
-            <a:tailEnd type="triangle"/>
-          </a:ln>
-        </p:spPr>
-        <p:style>
-          <a:lnRef idx="1">
-            <a:schemeClr val="accent1"/>
-          </a:lnRef>
-          <a:fillRef idx="0">
-            <a:schemeClr val="accent1"/>
-          </a:fillRef>
-          <a:effectRef idx="0">
-            <a:schemeClr val="accent1"/>
-          </a:effectRef>
-          <a:fontRef idx="minor">
-            <a:schemeClr val="tx1"/>
-          </a:fontRef>
-        </p:style>
-      </p:cxnSp>
-      <p:cxnSp>
-        <p:nvCxnSpPr>
-          <p:cNvPr id="24" name="Straight Arrow Connector 23"/>
-          <p:cNvCxnSpPr/>
-          <p:nvPr/>
-        </p:nvCxnSpPr>
-        <p:spPr>
-          <a:xfrm flipH="1" flipV="1">
-            <a:off x="4234249" y="5488254"/>
-            <a:ext cx="49427" cy="1037967"/>
-          </a:xfrm>
-          <a:prstGeom prst="straightConnector1">
-            <a:avLst/>
-          </a:prstGeom>
-          <a:ln>
-            <a:tailEnd type="triangle"/>
-          </a:ln>
-        </p:spPr>
-        <p:style>
-          <a:lnRef idx="1">
-            <a:schemeClr val="accent1"/>
-          </a:lnRef>
-          <a:fillRef idx="0">
-            <a:schemeClr val="accent1"/>
-          </a:fillRef>
-          <a:effectRef idx="0">
-            <a:schemeClr val="accent1"/>
-          </a:effectRef>
-          <a:fontRef idx="minor">
-            <a:schemeClr val="tx1"/>
-          </a:fontRef>
-        </p:style>
-      </p:cxnSp>
-      <p:cxnSp>
-        <p:nvCxnSpPr>
-          <p:cNvPr id="26" name="Straight Arrow Connector 25"/>
-          <p:cNvCxnSpPr/>
-          <p:nvPr/>
-        </p:nvCxnSpPr>
-        <p:spPr>
-          <a:xfrm flipV="1">
-            <a:off x="5904265" y="5955957"/>
-            <a:ext cx="43454" cy="570264"/>
-          </a:xfrm>
-          <a:prstGeom prst="straightConnector1">
-            <a:avLst/>
-          </a:prstGeom>
-          <a:ln>
-            <a:tailEnd type="triangle"/>
-          </a:ln>
-        </p:spPr>
-        <p:style>
-          <a:lnRef idx="1">
-            <a:schemeClr val="accent1"/>
-          </a:lnRef>
-          <a:fillRef idx="0">
-            <a:schemeClr val="accent1"/>
-          </a:fillRef>
-          <a:effectRef idx="0">
-            <a:schemeClr val="accent1"/>
-          </a:effectRef>
-          <a:fontRef idx="minor">
-            <a:schemeClr val="tx1"/>
-          </a:fontRef>
-        </p:style>
-      </p:cxnSp>
-      <p:cxnSp>
-        <p:nvCxnSpPr>
-          <p:cNvPr id="28" name="Straight Arrow Connector 27"/>
-          <p:cNvCxnSpPr>
-            <a:endCxn id="12" idx="2"/>
-          </p:cNvCxnSpPr>
-          <p:nvPr/>
-        </p:nvCxnSpPr>
-        <p:spPr>
-          <a:xfrm flipH="1" flipV="1">
-            <a:off x="7798937" y="5955957"/>
-            <a:ext cx="68198" cy="570264"/>
-          </a:xfrm>
-          <a:prstGeom prst="straightConnector1">
-            <a:avLst/>
-          </a:prstGeom>
-          <a:ln>
-            <a:tailEnd type="triangle"/>
-          </a:ln>
-        </p:spPr>
-        <p:style>
-          <a:lnRef idx="1">
-            <a:schemeClr val="accent1"/>
-          </a:lnRef>
-          <a:fillRef idx="0">
-            <a:schemeClr val="accent1"/>
-          </a:fillRef>
-          <a:effectRef idx="0">
-            <a:schemeClr val="accent1"/>
-          </a:effectRef>
-          <a:fontRef idx="minor">
-            <a:schemeClr val="tx1"/>
-          </a:fontRef>
-        </p:style>
-      </p:cxnSp>
     </p:spTree>
     <p:extLst>
       <p:ext uri="{BB962C8B-B14F-4D97-AF65-F5344CB8AC3E}">
-        <p14:creationId xmlns:p14="http://schemas.microsoft.com/office/powerpoint/2010/main" val="303617746"/>
+        <p14:creationId xmlns:p14="http://schemas.microsoft.com/office/powerpoint/2010/main" val="3421906897"/>
       </p:ext>
     </p:extLst>
   </p:cSld>
@@ -9144,7 +8618,7 @@
       </p:grpSpPr>
       <p:pic>
         <p:nvPicPr>
-          <p:cNvPr id="6" name="Picture 5"/>
+          <p:cNvPr id="2" name="Picture 1"/>
           <p:cNvPicPr>
             <a:picLocks noChangeAspect="1"/>
           </p:cNvPicPr>
@@ -9164,8 +8638,8 @@
         </p:blipFill>
         <p:spPr>
           <a:xfrm>
-            <a:off x="179580" y="-59897"/>
-            <a:ext cx="8025306" cy="5538833"/>
+            <a:off x="173180" y="0"/>
+            <a:ext cx="8402223" cy="5527589"/>
           </a:xfrm>
           <a:prstGeom prst="rect">
             <a:avLst/>
@@ -9174,14 +8648,14 @@
       </p:pic>
       <p:sp>
         <p:nvSpPr>
-          <p:cNvPr id="7" name="Rectangle 6"/>
+          <p:cNvPr id="3" name="Rectangle 2"/>
           <p:cNvSpPr/>
           <p:nvPr/>
         </p:nvSpPr>
         <p:spPr>
           <a:xfrm>
-            <a:off x="8559113" y="453081"/>
-            <a:ext cx="2924432" cy="1894702"/>
+            <a:off x="9069860" y="807308"/>
+            <a:ext cx="2619632" cy="1894703"/>
           </a:xfrm>
           <a:prstGeom prst="rect">
             <a:avLst/>
@@ -9210,7 +8684,7 @@
             <a:pPr algn="ctr"/>
             <a:r>
               <a:rPr lang="nl-NL" dirty="0" smtClean="0"/>
-              <a:t>Verder heeft elke track dus een Next en Previous</a:t>
+              <a:t>Polymorphisme?</a:t>
             </a:r>
             <a:endParaRPr lang="nl-NL" dirty="0"/>
           </a:p>
@@ -9218,14 +8692,14 @@
       </p:sp>
       <p:sp>
         <p:nvSpPr>
-          <p:cNvPr id="8" name="Rectangle 7"/>
+          <p:cNvPr id="4" name="Rectangle 3"/>
           <p:cNvSpPr/>
           <p:nvPr/>
         </p:nvSpPr>
         <p:spPr>
           <a:xfrm>
-            <a:off x="8678561" y="3060357"/>
-            <a:ext cx="2924432" cy="1894702"/>
+            <a:off x="296562" y="5066270"/>
+            <a:ext cx="1589903" cy="428368"/>
           </a:xfrm>
           <a:prstGeom prst="rect">
             <a:avLst/>
@@ -9253,24 +8727,616 @@
           <a:p>
             <a:pPr algn="ctr"/>
             <a:r>
-              <a:rPr lang="nl-NL" dirty="0" smtClean="0"/>
-              <a:t>En een switchtrack dus een previous/next top</a:t>
-            </a:r>
-          </a:p>
+              <a:rPr lang="nl-NL" sz="1100" dirty="0" smtClean="0"/>
+              <a:t>SetCartOnThisTrack()</a:t>
+            </a:r>
+            <a:endParaRPr lang="nl-NL" sz="1100" dirty="0"/>
+          </a:p>
+        </p:txBody>
+      </p:sp>
+      <p:sp>
+        <p:nvSpPr>
+          <p:cNvPr id="5" name="Rectangle 4"/>
+          <p:cNvSpPr/>
+          <p:nvPr/>
+        </p:nvSpPr>
+        <p:spPr>
+          <a:xfrm>
+            <a:off x="2009847" y="5066270"/>
+            <a:ext cx="1589903" cy="428368"/>
+          </a:xfrm>
+          <a:prstGeom prst="rect">
+            <a:avLst/>
+          </a:prstGeom>
+        </p:spPr>
+        <p:style>
+          <a:lnRef idx="2">
+            <a:schemeClr val="accent1">
+              <a:shade val="50000"/>
+            </a:schemeClr>
+          </a:lnRef>
+          <a:fillRef idx="1">
+            <a:schemeClr val="accent1"/>
+          </a:fillRef>
+          <a:effectRef idx="0">
+            <a:schemeClr val="accent1"/>
+          </a:effectRef>
+          <a:fontRef idx="minor">
+            <a:schemeClr val="lt1"/>
+          </a:fontRef>
+        </p:style>
+        <p:txBody>
+          <a:bodyPr rtlCol="0" anchor="ctr"/>
+          <a:lstStyle/>
           <a:p>
             <a:pPr algn="ctr"/>
             <a:r>
-              <a:rPr lang="nl-NL" dirty="0" smtClean="0"/>
-              <a:t>En previous/next bottom</a:t>
-            </a:r>
-            <a:endParaRPr lang="nl-NL" dirty="0"/>
-          </a:p>
-        </p:txBody>
-      </p:sp>
+              <a:rPr lang="nl-NL" sz="1100" dirty="0" smtClean="0"/>
+              <a:t>SetCartOnThisTrack()</a:t>
+            </a:r>
+            <a:endParaRPr lang="nl-NL" sz="1100" dirty="0"/>
+          </a:p>
+        </p:txBody>
+      </p:sp>
+      <p:sp>
+        <p:nvSpPr>
+          <p:cNvPr id="6" name="Rectangle 5"/>
+          <p:cNvSpPr/>
+          <p:nvPr/>
+        </p:nvSpPr>
+        <p:spPr>
+          <a:xfrm>
+            <a:off x="3678102" y="5066270"/>
+            <a:ext cx="1594114" cy="428368"/>
+          </a:xfrm>
+          <a:prstGeom prst="rect">
+            <a:avLst/>
+          </a:prstGeom>
+        </p:spPr>
+        <p:style>
+          <a:lnRef idx="2">
+            <a:schemeClr val="accent1">
+              <a:shade val="50000"/>
+            </a:schemeClr>
+          </a:lnRef>
+          <a:fillRef idx="1">
+            <a:schemeClr val="accent1"/>
+          </a:fillRef>
+          <a:effectRef idx="0">
+            <a:schemeClr val="accent1"/>
+          </a:effectRef>
+          <a:fontRef idx="minor">
+            <a:schemeClr val="lt1"/>
+          </a:fontRef>
+        </p:style>
+        <p:txBody>
+          <a:bodyPr rtlCol="0" anchor="ctr"/>
+          <a:lstStyle/>
+          <a:p>
+            <a:pPr algn="ctr"/>
+            <a:r>
+              <a:rPr lang="nl-NL" sz="1100" dirty="0" smtClean="0"/>
+              <a:t>SetCartOnThisTrack()</a:t>
+            </a:r>
+            <a:endParaRPr lang="nl-NL" sz="1100" dirty="0"/>
+          </a:p>
+        </p:txBody>
+      </p:sp>
+      <p:sp>
+        <p:nvSpPr>
+          <p:cNvPr id="7" name="Rectangle 6"/>
+          <p:cNvSpPr/>
+          <p:nvPr/>
+        </p:nvSpPr>
+        <p:spPr>
+          <a:xfrm>
+            <a:off x="5320541" y="4852086"/>
+            <a:ext cx="1589903" cy="428368"/>
+          </a:xfrm>
+          <a:prstGeom prst="rect">
+            <a:avLst/>
+          </a:prstGeom>
+        </p:spPr>
+        <p:style>
+          <a:lnRef idx="2">
+            <a:schemeClr val="accent1">
+              <a:shade val="50000"/>
+            </a:schemeClr>
+          </a:lnRef>
+          <a:fillRef idx="1">
+            <a:schemeClr val="accent1"/>
+          </a:fillRef>
+          <a:effectRef idx="0">
+            <a:schemeClr val="accent1"/>
+          </a:effectRef>
+          <a:fontRef idx="minor">
+            <a:schemeClr val="lt1"/>
+          </a:fontRef>
+        </p:style>
+        <p:txBody>
+          <a:bodyPr rtlCol="0" anchor="ctr"/>
+          <a:lstStyle/>
+          <a:p>
+            <a:pPr algn="ctr"/>
+            <a:r>
+              <a:rPr lang="nl-NL" sz="1100" dirty="0" smtClean="0"/>
+              <a:t>SetCartOnThisTrack()</a:t>
+            </a:r>
+            <a:endParaRPr lang="nl-NL" sz="1100" dirty="0"/>
+          </a:p>
+        </p:txBody>
+      </p:sp>
+      <p:sp>
+        <p:nvSpPr>
+          <p:cNvPr id="8" name="Rectangle 7"/>
+          <p:cNvSpPr/>
+          <p:nvPr/>
+        </p:nvSpPr>
+        <p:spPr>
+          <a:xfrm>
+            <a:off x="6999959" y="4852086"/>
+            <a:ext cx="1589903" cy="428368"/>
+          </a:xfrm>
+          <a:prstGeom prst="rect">
+            <a:avLst/>
+          </a:prstGeom>
+        </p:spPr>
+        <p:style>
+          <a:lnRef idx="2">
+            <a:schemeClr val="accent1">
+              <a:shade val="50000"/>
+            </a:schemeClr>
+          </a:lnRef>
+          <a:fillRef idx="1">
+            <a:schemeClr val="accent1"/>
+          </a:fillRef>
+          <a:effectRef idx="0">
+            <a:schemeClr val="accent1"/>
+          </a:effectRef>
+          <a:fontRef idx="minor">
+            <a:schemeClr val="lt1"/>
+          </a:fontRef>
+        </p:style>
+        <p:txBody>
+          <a:bodyPr rtlCol="0" anchor="ctr"/>
+          <a:lstStyle/>
+          <a:p>
+            <a:pPr algn="ctr"/>
+            <a:r>
+              <a:rPr lang="nl-NL" sz="1100" dirty="0" smtClean="0"/>
+              <a:t>SetCartOnThisTrack()</a:t>
+            </a:r>
+            <a:endParaRPr lang="nl-NL" sz="1100" dirty="0"/>
+          </a:p>
+        </p:txBody>
+      </p:sp>
+      <p:sp>
+        <p:nvSpPr>
+          <p:cNvPr id="9" name="Rectangle 8"/>
+          <p:cNvSpPr/>
+          <p:nvPr/>
+        </p:nvSpPr>
+        <p:spPr>
+          <a:xfrm>
+            <a:off x="5327770" y="5189838"/>
+            <a:ext cx="1589903" cy="428368"/>
+          </a:xfrm>
+          <a:prstGeom prst="rect">
+            <a:avLst/>
+          </a:prstGeom>
+        </p:spPr>
+        <p:style>
+          <a:lnRef idx="2">
+            <a:schemeClr val="accent1">
+              <a:shade val="50000"/>
+            </a:schemeClr>
+          </a:lnRef>
+          <a:fillRef idx="1">
+            <a:schemeClr val="accent1"/>
+          </a:fillRef>
+          <a:effectRef idx="0">
+            <a:schemeClr val="accent1"/>
+          </a:effectRef>
+          <a:fontRef idx="minor">
+            <a:schemeClr val="lt1"/>
+          </a:fontRef>
+        </p:style>
+        <p:txBody>
+          <a:bodyPr rtlCol="0" anchor="ctr"/>
+          <a:lstStyle/>
+          <a:p>
+            <a:pPr algn="ctr"/>
+            <a:r>
+              <a:rPr lang="nl-NL" sz="1100" dirty="0" smtClean="0"/>
+              <a:t>SetTopAvailable()</a:t>
+            </a:r>
+            <a:endParaRPr lang="nl-NL" sz="1100" dirty="0"/>
+          </a:p>
+        </p:txBody>
+      </p:sp>
+      <p:sp>
+        <p:nvSpPr>
+          <p:cNvPr id="10" name="Rectangle 9"/>
+          <p:cNvSpPr/>
+          <p:nvPr/>
+        </p:nvSpPr>
+        <p:spPr>
+          <a:xfrm>
+            <a:off x="7003985" y="5189838"/>
+            <a:ext cx="1589903" cy="428368"/>
+          </a:xfrm>
+          <a:prstGeom prst="rect">
+            <a:avLst/>
+          </a:prstGeom>
+        </p:spPr>
+        <p:style>
+          <a:lnRef idx="2">
+            <a:schemeClr val="accent1">
+              <a:shade val="50000"/>
+            </a:schemeClr>
+          </a:lnRef>
+          <a:fillRef idx="1">
+            <a:schemeClr val="accent1"/>
+          </a:fillRef>
+          <a:effectRef idx="0">
+            <a:schemeClr val="accent1"/>
+          </a:effectRef>
+          <a:fontRef idx="minor">
+            <a:schemeClr val="lt1"/>
+          </a:fontRef>
+        </p:style>
+        <p:txBody>
+          <a:bodyPr rtlCol="0" anchor="ctr"/>
+          <a:lstStyle/>
+          <a:p>
+            <a:pPr algn="ctr"/>
+            <a:r>
+              <a:rPr lang="nl-NL" sz="1100" dirty="0" smtClean="0"/>
+              <a:t>SetTopAvailable()</a:t>
+            </a:r>
+            <a:endParaRPr lang="nl-NL" sz="1100" dirty="0"/>
+          </a:p>
+        </p:txBody>
+      </p:sp>
+      <p:sp>
+        <p:nvSpPr>
+          <p:cNvPr id="11" name="Rectangle 10"/>
+          <p:cNvSpPr/>
+          <p:nvPr/>
+        </p:nvSpPr>
+        <p:spPr>
+          <a:xfrm>
+            <a:off x="5334999" y="5527589"/>
+            <a:ext cx="1589903" cy="428368"/>
+          </a:xfrm>
+          <a:prstGeom prst="rect">
+            <a:avLst/>
+          </a:prstGeom>
+        </p:spPr>
+        <p:style>
+          <a:lnRef idx="2">
+            <a:schemeClr val="accent1">
+              <a:shade val="50000"/>
+            </a:schemeClr>
+          </a:lnRef>
+          <a:fillRef idx="1">
+            <a:schemeClr val="accent1"/>
+          </a:fillRef>
+          <a:effectRef idx="0">
+            <a:schemeClr val="accent1"/>
+          </a:effectRef>
+          <a:fontRef idx="minor">
+            <a:schemeClr val="lt1"/>
+          </a:fontRef>
+        </p:style>
+        <p:txBody>
+          <a:bodyPr rtlCol="0" anchor="ctr"/>
+          <a:lstStyle/>
+          <a:p>
+            <a:pPr algn="ctr"/>
+            <a:r>
+              <a:rPr lang="nl-NL" sz="1000" dirty="0" smtClean="0"/>
+              <a:t>SetBottomAvailable()</a:t>
+            </a:r>
+            <a:endParaRPr lang="nl-NL" sz="1000" dirty="0"/>
+          </a:p>
+        </p:txBody>
+      </p:sp>
+      <p:sp>
+        <p:nvSpPr>
+          <p:cNvPr id="12" name="Rectangle 11"/>
+          <p:cNvSpPr/>
+          <p:nvPr/>
+        </p:nvSpPr>
+        <p:spPr>
+          <a:xfrm>
+            <a:off x="7003985" y="5527589"/>
+            <a:ext cx="1589903" cy="428368"/>
+          </a:xfrm>
+          <a:prstGeom prst="rect">
+            <a:avLst/>
+          </a:prstGeom>
+        </p:spPr>
+        <p:style>
+          <a:lnRef idx="2">
+            <a:schemeClr val="accent1">
+              <a:shade val="50000"/>
+            </a:schemeClr>
+          </a:lnRef>
+          <a:fillRef idx="1">
+            <a:schemeClr val="accent1"/>
+          </a:fillRef>
+          <a:effectRef idx="0">
+            <a:schemeClr val="accent1"/>
+          </a:effectRef>
+          <a:fontRef idx="minor">
+            <a:schemeClr val="lt1"/>
+          </a:fontRef>
+        </p:style>
+        <p:txBody>
+          <a:bodyPr rtlCol="0" anchor="ctr"/>
+          <a:lstStyle/>
+          <a:p>
+            <a:pPr algn="ctr"/>
+            <a:r>
+              <a:rPr lang="nl-NL" sz="1000" dirty="0" smtClean="0"/>
+              <a:t>SetBottomAvailable()</a:t>
+            </a:r>
+            <a:endParaRPr lang="nl-NL" sz="1000" dirty="0"/>
+          </a:p>
+        </p:txBody>
+      </p:sp>
+      <p:sp>
+        <p:nvSpPr>
+          <p:cNvPr id="15" name="Rectangle 14"/>
+          <p:cNvSpPr/>
+          <p:nvPr/>
+        </p:nvSpPr>
+        <p:spPr>
+          <a:xfrm>
+            <a:off x="10243340" y="2636108"/>
+            <a:ext cx="45719" cy="3978876"/>
+          </a:xfrm>
+          <a:prstGeom prst="rect">
+            <a:avLst/>
+          </a:prstGeom>
+        </p:spPr>
+        <p:style>
+          <a:lnRef idx="2">
+            <a:schemeClr val="accent1">
+              <a:shade val="50000"/>
+            </a:schemeClr>
+          </a:lnRef>
+          <a:fillRef idx="1">
+            <a:schemeClr val="accent1"/>
+          </a:fillRef>
+          <a:effectRef idx="0">
+            <a:schemeClr val="accent1"/>
+          </a:effectRef>
+          <a:fontRef idx="minor">
+            <a:schemeClr val="lt1"/>
+          </a:fontRef>
+        </p:style>
+        <p:txBody>
+          <a:bodyPr rtlCol="0" anchor="ctr"/>
+          <a:lstStyle/>
+          <a:p>
+            <a:pPr algn="ctr"/>
+            <a:endParaRPr lang="nl-NL"/>
+          </a:p>
+        </p:txBody>
+      </p:sp>
+      <p:sp>
+        <p:nvSpPr>
+          <p:cNvPr id="16" name="Rectangle 15"/>
+          <p:cNvSpPr/>
+          <p:nvPr/>
+        </p:nvSpPr>
+        <p:spPr>
+          <a:xfrm>
+            <a:off x="410038" y="6571118"/>
+            <a:ext cx="9879021" cy="45719"/>
+          </a:xfrm>
+          <a:prstGeom prst="rect">
+            <a:avLst/>
+          </a:prstGeom>
+        </p:spPr>
+        <p:style>
+          <a:lnRef idx="2">
+            <a:schemeClr val="accent1">
+              <a:shade val="50000"/>
+            </a:schemeClr>
+          </a:lnRef>
+          <a:fillRef idx="1">
+            <a:schemeClr val="accent1"/>
+          </a:fillRef>
+          <a:effectRef idx="0">
+            <a:schemeClr val="accent1"/>
+          </a:effectRef>
+          <a:fontRef idx="minor">
+            <a:schemeClr val="lt1"/>
+          </a:fontRef>
+        </p:style>
+        <p:txBody>
+          <a:bodyPr rtlCol="0" anchor="ctr"/>
+          <a:lstStyle/>
+          <a:p>
+            <a:pPr algn="ctr"/>
+            <a:endParaRPr lang="nl-NL"/>
+          </a:p>
+        </p:txBody>
+      </p:sp>
+      <p:cxnSp>
+        <p:nvCxnSpPr>
+          <p:cNvPr id="18" name="Straight Arrow Connector 17"/>
+          <p:cNvCxnSpPr/>
+          <p:nvPr/>
+        </p:nvCxnSpPr>
+        <p:spPr>
+          <a:xfrm flipH="1" flipV="1">
+            <a:off x="1449859" y="5494638"/>
+            <a:ext cx="164757" cy="1031583"/>
+          </a:xfrm>
+          <a:prstGeom prst="straightConnector1">
+            <a:avLst/>
+          </a:prstGeom>
+          <a:ln>
+            <a:tailEnd type="triangle"/>
+          </a:ln>
+        </p:spPr>
+        <p:style>
+          <a:lnRef idx="1">
+            <a:schemeClr val="accent1"/>
+          </a:lnRef>
+          <a:fillRef idx="0">
+            <a:schemeClr val="accent1"/>
+          </a:fillRef>
+          <a:effectRef idx="0">
+            <a:schemeClr val="accent1"/>
+          </a:effectRef>
+          <a:fontRef idx="minor">
+            <a:schemeClr val="tx1"/>
+          </a:fontRef>
+        </p:style>
+      </p:cxnSp>
+      <p:cxnSp>
+        <p:nvCxnSpPr>
+          <p:cNvPr id="22" name="Straight Arrow Connector 21"/>
+          <p:cNvCxnSpPr/>
+          <p:nvPr/>
+        </p:nvCxnSpPr>
+        <p:spPr>
+          <a:xfrm flipV="1">
+            <a:off x="2454876" y="5488254"/>
+            <a:ext cx="148281" cy="1037967"/>
+          </a:xfrm>
+          <a:prstGeom prst="straightConnector1">
+            <a:avLst/>
+          </a:prstGeom>
+          <a:ln>
+            <a:tailEnd type="triangle"/>
+          </a:ln>
+        </p:spPr>
+        <p:style>
+          <a:lnRef idx="1">
+            <a:schemeClr val="accent1"/>
+          </a:lnRef>
+          <a:fillRef idx="0">
+            <a:schemeClr val="accent1"/>
+          </a:fillRef>
+          <a:effectRef idx="0">
+            <a:schemeClr val="accent1"/>
+          </a:effectRef>
+          <a:fontRef idx="minor">
+            <a:schemeClr val="tx1"/>
+          </a:fontRef>
+        </p:style>
+      </p:cxnSp>
+      <p:cxnSp>
+        <p:nvCxnSpPr>
+          <p:cNvPr id="24" name="Straight Arrow Connector 23"/>
+          <p:cNvCxnSpPr/>
+          <p:nvPr/>
+        </p:nvCxnSpPr>
+        <p:spPr>
+          <a:xfrm flipH="1" flipV="1">
+            <a:off x="4234249" y="5488254"/>
+            <a:ext cx="49427" cy="1037967"/>
+          </a:xfrm>
+          <a:prstGeom prst="straightConnector1">
+            <a:avLst/>
+          </a:prstGeom>
+          <a:ln>
+            <a:tailEnd type="triangle"/>
+          </a:ln>
+        </p:spPr>
+        <p:style>
+          <a:lnRef idx="1">
+            <a:schemeClr val="accent1"/>
+          </a:lnRef>
+          <a:fillRef idx="0">
+            <a:schemeClr val="accent1"/>
+          </a:fillRef>
+          <a:effectRef idx="0">
+            <a:schemeClr val="accent1"/>
+          </a:effectRef>
+          <a:fontRef idx="minor">
+            <a:schemeClr val="tx1"/>
+          </a:fontRef>
+        </p:style>
+      </p:cxnSp>
+      <p:cxnSp>
+        <p:nvCxnSpPr>
+          <p:cNvPr id="26" name="Straight Arrow Connector 25"/>
+          <p:cNvCxnSpPr/>
+          <p:nvPr/>
+        </p:nvCxnSpPr>
+        <p:spPr>
+          <a:xfrm flipV="1">
+            <a:off x="5904265" y="5955957"/>
+            <a:ext cx="43454" cy="570264"/>
+          </a:xfrm>
+          <a:prstGeom prst="straightConnector1">
+            <a:avLst/>
+          </a:prstGeom>
+          <a:ln>
+            <a:tailEnd type="triangle"/>
+          </a:ln>
+        </p:spPr>
+        <p:style>
+          <a:lnRef idx="1">
+            <a:schemeClr val="accent1"/>
+          </a:lnRef>
+          <a:fillRef idx="0">
+            <a:schemeClr val="accent1"/>
+          </a:fillRef>
+          <a:effectRef idx="0">
+            <a:schemeClr val="accent1"/>
+          </a:effectRef>
+          <a:fontRef idx="minor">
+            <a:schemeClr val="tx1"/>
+          </a:fontRef>
+        </p:style>
+      </p:cxnSp>
+      <p:cxnSp>
+        <p:nvCxnSpPr>
+          <p:cNvPr id="28" name="Straight Arrow Connector 27"/>
+          <p:cNvCxnSpPr>
+            <a:endCxn id="12" idx="2"/>
+          </p:cNvCxnSpPr>
+          <p:nvPr/>
+        </p:nvCxnSpPr>
+        <p:spPr>
+          <a:xfrm flipH="1" flipV="1">
+            <a:off x="7798937" y="5955957"/>
+            <a:ext cx="68198" cy="570264"/>
+          </a:xfrm>
+          <a:prstGeom prst="straightConnector1">
+            <a:avLst/>
+          </a:prstGeom>
+          <a:ln>
+            <a:tailEnd type="triangle"/>
+          </a:ln>
+        </p:spPr>
+        <p:style>
+          <a:lnRef idx="1">
+            <a:schemeClr val="accent1"/>
+          </a:lnRef>
+          <a:fillRef idx="0">
+            <a:schemeClr val="accent1"/>
+          </a:fillRef>
+          <a:effectRef idx="0">
+            <a:schemeClr val="accent1"/>
+          </a:effectRef>
+          <a:fontRef idx="minor">
+            <a:schemeClr val="tx1"/>
+          </a:fontRef>
+        </p:style>
+      </p:cxnSp>
     </p:spTree>
     <p:extLst>
       <p:ext uri="{BB962C8B-B14F-4D97-AF65-F5344CB8AC3E}">
-        <p14:creationId xmlns:p14="http://schemas.microsoft.com/office/powerpoint/2010/main" val="4095497277"/>
+        <p14:creationId xmlns:p14="http://schemas.microsoft.com/office/powerpoint/2010/main" val="303617746"/>
       </p:ext>
     </p:extLst>
   </p:cSld>

--- a/MODL3_GoudKoorts_Raymond_Dion.pptx
+++ b/MODL3_GoudKoorts_Raymond_Dion.pptx
@@ -15,6 +15,9 @@
     <p:sldId id="262" r:id="rId9"/>
     <p:sldId id="263" r:id="rId10"/>
     <p:sldId id="264" r:id="rId11"/>
+    <p:sldId id="266" r:id="rId12"/>
+    <p:sldId id="267" r:id="rId13"/>
+    <p:sldId id="268" r:id="rId14"/>
   </p:sldIdLst>
   <p:sldSz cx="12192000" cy="6858000"/>
   <p:notesSz cx="6858000" cy="9144000"/>
@@ -7858,6 +7861,44 @@
           <a:chExt cx="0" cy="0"/>
         </a:xfrm>
       </p:grpSpPr>
+      <p:sp>
+        <p:nvSpPr>
+          <p:cNvPr id="3" name="Oval 2"/>
+          <p:cNvSpPr/>
+          <p:nvPr/>
+        </p:nvSpPr>
+        <p:spPr>
+          <a:xfrm>
+            <a:off x="179580" y="90616"/>
+            <a:ext cx="8223015" cy="5502876"/>
+          </a:xfrm>
+          <a:prstGeom prst="ellipse">
+            <a:avLst/>
+          </a:prstGeom>
+        </p:spPr>
+        <p:style>
+          <a:lnRef idx="2">
+            <a:schemeClr val="accent1"/>
+          </a:lnRef>
+          <a:fillRef idx="1">
+            <a:schemeClr val="lt1"/>
+          </a:fillRef>
+          <a:effectRef idx="0">
+            <a:schemeClr val="accent1"/>
+          </a:effectRef>
+          <a:fontRef idx="minor">
+            <a:schemeClr val="dk1"/>
+          </a:fontRef>
+        </p:style>
+        <p:txBody>
+          <a:bodyPr rtlCol="0" anchor="ctr"/>
+          <a:lstStyle/>
+          <a:p>
+            <a:pPr algn="ctr"/>
+            <a:endParaRPr lang="nl-NL"/>
+          </a:p>
+        </p:txBody>
+      </p:sp>
       <p:pic>
         <p:nvPicPr>
           <p:cNvPr id="6" name="Picture 5"/>
@@ -7987,6 +8028,346 @@
     <p:extLst>
       <p:ext uri="{BB962C8B-B14F-4D97-AF65-F5344CB8AC3E}">
         <p14:creationId xmlns:p14="http://schemas.microsoft.com/office/powerpoint/2010/main" val="4095497277"/>
+      </p:ext>
+    </p:extLst>
+  </p:cSld>
+  <p:clrMapOvr>
+    <a:masterClrMapping/>
+  </p:clrMapOvr>
+</p:sld>
+</file>
+
+<file path=ppt/slides/slide11.xml><?xml version="1.0" encoding="utf-8"?>
+<p:sld xmlns:a="http://schemas.openxmlformats.org/drawingml/2006/main" xmlns:r="http://schemas.openxmlformats.org/officeDocument/2006/relationships" xmlns:p="http://schemas.openxmlformats.org/presentationml/2006/main">
+  <p:cSld>
+    <p:spTree>
+      <p:nvGrpSpPr>
+        <p:cNvPr id="1" name=""/>
+        <p:cNvGrpSpPr/>
+        <p:nvPr/>
+      </p:nvGrpSpPr>
+      <p:grpSpPr>
+        <a:xfrm>
+          <a:off x="0" y="0"/>
+          <a:ext cx="0" cy="0"/>
+          <a:chOff x="0" y="0"/>
+          <a:chExt cx="0" cy="0"/>
+        </a:xfrm>
+      </p:grpSpPr>
+      <p:pic>
+        <p:nvPicPr>
+          <p:cNvPr id="2" name="Picture 1"/>
+          <p:cNvPicPr>
+            <a:picLocks noChangeAspect="1"/>
+          </p:cNvPicPr>
+          <p:nvPr/>
+        </p:nvPicPr>
+        <p:blipFill>
+          <a:blip r:embed="rId2">
+            <a:extLst>
+              <a:ext uri="{28A0092B-C50C-407E-A947-70E740481C1C}">
+                <a14:useLocalDpi xmlns:a14="http://schemas.microsoft.com/office/drawing/2010/main" val="0"/>
+              </a:ext>
+            </a:extLst>
+          </a:blip>
+          <a:stretch>
+            <a:fillRect/>
+          </a:stretch>
+        </p:blipFill>
+        <p:spPr>
+          <a:xfrm>
+            <a:off x="163128" y="0"/>
+            <a:ext cx="5177169" cy="5379308"/>
+          </a:xfrm>
+          <a:prstGeom prst="rect">
+            <a:avLst/>
+          </a:prstGeom>
+        </p:spPr>
+      </p:pic>
+      <p:pic>
+        <p:nvPicPr>
+          <p:cNvPr id="3" name="Picture 2"/>
+          <p:cNvPicPr>
+            <a:picLocks noChangeAspect="1"/>
+          </p:cNvPicPr>
+          <p:nvPr/>
+        </p:nvPicPr>
+        <p:blipFill>
+          <a:blip r:embed="rId3">
+            <a:extLst>
+              <a:ext uri="{28A0092B-C50C-407E-A947-70E740481C1C}">
+                <a14:useLocalDpi xmlns:a14="http://schemas.microsoft.com/office/drawing/2010/main" val="0"/>
+              </a:ext>
+            </a:extLst>
+          </a:blip>
+          <a:stretch>
+            <a:fillRect/>
+          </a:stretch>
+        </p:blipFill>
+        <p:spPr>
+          <a:xfrm>
+            <a:off x="6231731" y="1726785"/>
+            <a:ext cx="2743583" cy="4706007"/>
+          </a:xfrm>
+          <a:prstGeom prst="rect">
+            <a:avLst/>
+          </a:prstGeom>
+        </p:spPr>
+      </p:pic>
+      <p:sp>
+        <p:nvSpPr>
+          <p:cNvPr id="4" name="Rectangle 3"/>
+          <p:cNvSpPr/>
+          <p:nvPr/>
+        </p:nvSpPr>
+        <p:spPr>
+          <a:xfrm>
+            <a:off x="5156886" y="1968843"/>
+            <a:ext cx="1074845" cy="98854"/>
+          </a:xfrm>
+          <a:prstGeom prst="rect">
+            <a:avLst/>
+          </a:prstGeom>
+        </p:spPr>
+        <p:style>
+          <a:lnRef idx="2">
+            <a:schemeClr val="accent1">
+              <a:shade val="50000"/>
+            </a:schemeClr>
+          </a:lnRef>
+          <a:fillRef idx="1">
+            <a:schemeClr val="accent1"/>
+          </a:fillRef>
+          <a:effectRef idx="0">
+            <a:schemeClr val="accent1"/>
+          </a:effectRef>
+          <a:fontRef idx="minor">
+            <a:schemeClr val="lt1"/>
+          </a:fontRef>
+        </p:style>
+        <p:txBody>
+          <a:bodyPr rtlCol="0" anchor="ctr"/>
+          <a:lstStyle/>
+          <a:p>
+            <a:pPr algn="ctr"/>
+            <a:endParaRPr lang="nl-NL"/>
+          </a:p>
+        </p:txBody>
+      </p:sp>
+      <p:sp>
+        <p:nvSpPr>
+          <p:cNvPr id="5" name="TextBox 4"/>
+          <p:cNvSpPr txBox="1"/>
+          <p:nvPr/>
+        </p:nvSpPr>
+        <p:spPr>
+          <a:xfrm>
+            <a:off x="5053281" y="1586204"/>
+            <a:ext cx="1465466" cy="261610"/>
+          </a:xfrm>
+          <a:prstGeom prst="rect">
+            <a:avLst/>
+          </a:prstGeom>
+          <a:noFill/>
+        </p:spPr>
+        <p:txBody>
+          <a:bodyPr wrap="none" rtlCol="0">
+            <a:spAutoFit/>
+          </a:bodyPr>
+          <a:lstStyle/>
+          <a:p>
+            <a:r>
+              <a:rPr lang="nl-NL" sz="1100" dirty="0" smtClean="0"/>
+              <a:t>Constructor Game</a:t>
+            </a:r>
+            <a:endParaRPr lang="nl-NL" sz="1100" dirty="0"/>
+          </a:p>
+        </p:txBody>
+      </p:sp>
+    </p:spTree>
+    <p:extLst>
+      <p:ext uri="{BB962C8B-B14F-4D97-AF65-F5344CB8AC3E}">
+        <p14:creationId xmlns:p14="http://schemas.microsoft.com/office/powerpoint/2010/main" val="4165899488"/>
+      </p:ext>
+    </p:extLst>
+  </p:cSld>
+  <p:clrMapOvr>
+    <a:masterClrMapping/>
+  </p:clrMapOvr>
+</p:sld>
+</file>
+
+<file path=ppt/slides/slide12.xml><?xml version="1.0" encoding="utf-8"?>
+<p:sld xmlns:a="http://schemas.openxmlformats.org/drawingml/2006/main" xmlns:r="http://schemas.openxmlformats.org/officeDocument/2006/relationships" xmlns:p="http://schemas.openxmlformats.org/presentationml/2006/main">
+  <p:cSld>
+    <p:spTree>
+      <p:nvGrpSpPr>
+        <p:cNvPr id="1" name=""/>
+        <p:cNvGrpSpPr/>
+        <p:nvPr/>
+      </p:nvGrpSpPr>
+      <p:grpSpPr>
+        <a:xfrm>
+          <a:off x="0" y="0"/>
+          <a:ext cx="0" cy="0"/>
+          <a:chOff x="0" y="0"/>
+          <a:chExt cx="0" cy="0"/>
+        </a:xfrm>
+      </p:grpSpPr>
+      <p:pic>
+        <p:nvPicPr>
+          <p:cNvPr id="2" name="Picture 1"/>
+          <p:cNvPicPr>
+            <a:picLocks noChangeAspect="1"/>
+          </p:cNvPicPr>
+          <p:nvPr/>
+        </p:nvPicPr>
+        <p:blipFill>
+          <a:blip r:embed="rId2">
+            <a:extLst>
+              <a:ext uri="{28A0092B-C50C-407E-A947-70E740481C1C}">
+                <a14:useLocalDpi xmlns:a14="http://schemas.microsoft.com/office/drawing/2010/main" val="0"/>
+              </a:ext>
+            </a:extLst>
+          </a:blip>
+          <a:stretch>
+            <a:fillRect/>
+          </a:stretch>
+        </p:blipFill>
+        <p:spPr>
+          <a:xfrm>
+            <a:off x="164733" y="180014"/>
+            <a:ext cx="4020111" cy="6382641"/>
+          </a:xfrm>
+          <a:prstGeom prst="rect">
+            <a:avLst/>
+          </a:prstGeom>
+        </p:spPr>
+      </p:pic>
+      <p:pic>
+        <p:nvPicPr>
+          <p:cNvPr id="6" name="Picture 5"/>
+          <p:cNvPicPr>
+            <a:picLocks noChangeAspect="1"/>
+          </p:cNvPicPr>
+          <p:nvPr/>
+        </p:nvPicPr>
+        <p:blipFill>
+          <a:blip r:embed="rId3">
+            <a:extLst>
+              <a:ext uri="{28A0092B-C50C-407E-A947-70E740481C1C}">
+                <a14:useLocalDpi xmlns:a14="http://schemas.microsoft.com/office/drawing/2010/main" val="0"/>
+              </a:ext>
+            </a:extLst>
+          </a:blip>
+          <a:stretch>
+            <a:fillRect/>
+          </a:stretch>
+        </p:blipFill>
+        <p:spPr>
+          <a:xfrm>
+            <a:off x="4647278" y="2596251"/>
+            <a:ext cx="6687986" cy="1019317"/>
+          </a:xfrm>
+          <a:prstGeom prst="rect">
+            <a:avLst/>
+          </a:prstGeom>
+        </p:spPr>
+      </p:pic>
+    </p:spTree>
+    <p:extLst>
+      <p:ext uri="{BB962C8B-B14F-4D97-AF65-F5344CB8AC3E}">
+        <p14:creationId xmlns:p14="http://schemas.microsoft.com/office/powerpoint/2010/main" val="2586829957"/>
+      </p:ext>
+    </p:extLst>
+  </p:cSld>
+  <p:clrMapOvr>
+    <a:masterClrMapping/>
+  </p:clrMapOvr>
+</p:sld>
+</file>
+
+<file path=ppt/slides/slide13.xml><?xml version="1.0" encoding="utf-8"?>
+<p:sld xmlns:a="http://schemas.openxmlformats.org/drawingml/2006/main" xmlns:r="http://schemas.openxmlformats.org/officeDocument/2006/relationships" xmlns:p="http://schemas.openxmlformats.org/presentationml/2006/main">
+  <p:cSld>
+    <p:spTree>
+      <p:nvGrpSpPr>
+        <p:cNvPr id="1" name=""/>
+        <p:cNvGrpSpPr/>
+        <p:nvPr/>
+      </p:nvGrpSpPr>
+      <p:grpSpPr>
+        <a:xfrm>
+          <a:off x="0" y="0"/>
+          <a:ext cx="0" cy="0"/>
+          <a:chOff x="0" y="0"/>
+          <a:chExt cx="0" cy="0"/>
+        </a:xfrm>
+      </p:grpSpPr>
+      <p:pic>
+        <p:nvPicPr>
+          <p:cNvPr id="2" name="Picture 1"/>
+          <p:cNvPicPr>
+            <a:picLocks noChangeAspect="1"/>
+          </p:cNvPicPr>
+          <p:nvPr/>
+        </p:nvPicPr>
+        <p:blipFill>
+          <a:blip r:embed="rId2">
+            <a:extLst>
+              <a:ext uri="{28A0092B-C50C-407E-A947-70E740481C1C}">
+                <a14:useLocalDpi xmlns:a14="http://schemas.microsoft.com/office/drawing/2010/main" val="0"/>
+              </a:ext>
+            </a:extLst>
+          </a:blip>
+          <a:stretch>
+            <a:fillRect/>
+          </a:stretch>
+        </p:blipFill>
+        <p:spPr>
+          <a:xfrm>
+            <a:off x="174133" y="659028"/>
+            <a:ext cx="4115374" cy="4439270"/>
+          </a:xfrm>
+          <a:prstGeom prst="rect">
+            <a:avLst/>
+          </a:prstGeom>
+        </p:spPr>
+      </p:pic>
+      <p:pic>
+        <p:nvPicPr>
+          <p:cNvPr id="4" name="Picture 3"/>
+          <p:cNvPicPr>
+            <a:picLocks noChangeAspect="1"/>
+          </p:cNvPicPr>
+          <p:nvPr/>
+        </p:nvPicPr>
+        <p:blipFill>
+          <a:blip r:embed="rId3">
+            <a:extLst>
+              <a:ext uri="{28A0092B-C50C-407E-A947-70E740481C1C}">
+                <a14:useLocalDpi xmlns:a14="http://schemas.microsoft.com/office/drawing/2010/main" val="0"/>
+              </a:ext>
+            </a:extLst>
+          </a:blip>
+          <a:stretch>
+            <a:fillRect/>
+          </a:stretch>
+        </p:blipFill>
+        <p:spPr>
+          <a:xfrm>
+            <a:off x="4543483" y="1947434"/>
+            <a:ext cx="7677088" cy="1586597"/>
+          </a:xfrm>
+          <a:prstGeom prst="rect">
+            <a:avLst/>
+          </a:prstGeom>
+        </p:spPr>
+      </p:pic>
+    </p:spTree>
+    <p:extLst>
+      <p:ext uri="{BB962C8B-B14F-4D97-AF65-F5344CB8AC3E}">
+        <p14:creationId xmlns:p14="http://schemas.microsoft.com/office/powerpoint/2010/main" val="416590876"/>
       </p:ext>
     </p:extLst>
   </p:cSld>
